--- a/CalendarioAgo2025/presentaciones/12_Archivos.pptx
+++ b/CalendarioAgo2025/presentaciones/12_Archivos.pptx
@@ -149,6 +149,58 @@
 </p:presentation>
 </file>
 
+<file path=ppt/revisionInfo.xml><?xml version="1.0" encoding="utf-8"?>
+<p1510:revInfo xmlns:a="http://schemas.openxmlformats.org/drawingml/2006/main" xmlns:r="http://schemas.openxmlformats.org/officeDocument/2006/relationships" xmlns:p1510="http://schemas.microsoft.com/office/powerpoint/2015/10/main">
+  <p1510:revLst>
+    <p1510:client id="{78AE32BB-18B0-467B-BBBA-1AE27C58F5EA}" v="5" dt="2025-10-13T17:59:05.867"/>
+  </p1510:revLst>
+</p1510:revInfo>
+</file>
+
+<file path=ppt/changesInfos/changesInfo1.xml><?xml version="1.0" encoding="utf-8"?>
+<pc:chgInfo xmlns:a="http://schemas.openxmlformats.org/drawingml/2006/main" xmlns:r="http://schemas.openxmlformats.org/officeDocument/2006/relationships" xmlns:ac="http://schemas.microsoft.com/office/drawing/2013/main/command" xmlns:pc="http://schemas.microsoft.com/office/powerpoint/2013/main/command">
+  <pc:docChgLst>
+    <pc:chgData name="Lizethe Pérez Fuertes" userId="4ae9ef87-2a7d-42f8-8dfa-0a501a9e2ff4" providerId="ADAL" clId="{FDDD45CB-1330-4033-A842-3D2746AFF7C7}"/>
+    <pc:docChg chg="modSld">
+      <pc:chgData name="Lizethe Pérez Fuertes" userId="4ae9ef87-2a7d-42f8-8dfa-0a501a9e2ff4" providerId="ADAL" clId="{FDDD45CB-1330-4033-A842-3D2746AFF7C7}" dt="2025-10-13T17:59:05.867" v="14" actId="20577"/>
+      <pc:docMkLst>
+        <pc:docMk/>
+      </pc:docMkLst>
+      <pc:sldChg chg="modSp mod">
+        <pc:chgData name="Lizethe Pérez Fuertes" userId="4ae9ef87-2a7d-42f8-8dfa-0a501a9e2ff4" providerId="ADAL" clId="{FDDD45CB-1330-4033-A842-3D2746AFF7C7}" dt="2025-10-13T17:58:51.932" v="9" actId="20577"/>
+        <pc:sldMkLst>
+          <pc:docMk/>
+          <pc:sldMk cId="3689420964" sldId="274"/>
+        </pc:sldMkLst>
+        <pc:spChg chg="mod">
+          <ac:chgData name="Lizethe Pérez Fuertes" userId="4ae9ef87-2a7d-42f8-8dfa-0a501a9e2ff4" providerId="ADAL" clId="{FDDD45CB-1330-4033-A842-3D2746AFF7C7}" dt="2025-10-13T17:58:51.932" v="9" actId="20577"/>
+          <ac:spMkLst>
+            <pc:docMk/>
+            <pc:sldMk cId="3689420964" sldId="274"/>
+            <ac:spMk id="2" creationId="{C932FD1F-2BBD-43B8-B49C-12BC27B9A27E}"/>
+          </ac:spMkLst>
+        </pc:spChg>
+      </pc:sldChg>
+      <pc:sldChg chg="modSp">
+        <pc:chgData name="Lizethe Pérez Fuertes" userId="4ae9ef87-2a7d-42f8-8dfa-0a501a9e2ff4" providerId="ADAL" clId="{FDDD45CB-1330-4033-A842-3D2746AFF7C7}" dt="2025-10-13T17:59:05.867" v="14" actId="20577"/>
+        <pc:sldMkLst>
+          <pc:docMk/>
+          <pc:sldMk cId="995072318" sldId="312"/>
+        </pc:sldMkLst>
+        <pc:spChg chg="mod">
+          <ac:chgData name="Lizethe Pérez Fuertes" userId="4ae9ef87-2a7d-42f8-8dfa-0a501a9e2ff4" providerId="ADAL" clId="{FDDD45CB-1330-4033-A842-3D2746AFF7C7}" dt="2025-10-13T17:59:05.867" v="14" actId="20577"/>
+          <ac:spMkLst>
+            <pc:docMk/>
+            <pc:sldMk cId="995072318" sldId="312"/>
+            <ac:spMk id="267267" creationId="{00000000-0000-0000-0000-000000000000}"/>
+          </ac:spMkLst>
+        </pc:spChg>
+      </pc:sldChg>
+    </pc:docChg>
+  </pc:docChgLst>
+</pc:chgInfo>
+</file>
+
 <file path=ppt/notesMasters/notesMaster1.xml><?xml version="1.0" encoding="utf-8"?>
 <p:notesMaster xmlns:a="http://schemas.openxmlformats.org/drawingml/2006/main" xmlns:r="http://schemas.openxmlformats.org/officeDocument/2006/relationships" xmlns:p="http://schemas.openxmlformats.org/presentationml/2006/main">
   <p:cSld>
@@ -231,7 +283,7 @@
           <a:p>
             <a:fld id="{59C7E2AA-6A4C-4042-9554-ED2A913B287A}" type="datetimeFigureOut">
               <a:rPr lang="es-MX" smtClean="0"/>
-              <a:t>10/10/2023</a:t>
+              <a:t>13/10/2025</a:t>
             </a:fld>
             <a:endParaRPr lang="es-MX" dirty="0"/>
           </a:p>
@@ -3352,7 +3404,7 @@
           <a:p>
             <a:fld id="{BAE3B62E-9D6B-4C41-BFE5-D19C53A0513B}" type="datetimeFigureOut">
               <a:rPr lang="es-MX" smtClean="0"/>
-              <a:t>10/10/2023</a:t>
+              <a:t>13/10/2025</a:t>
             </a:fld>
             <a:endParaRPr lang="es-MX" dirty="0"/>
           </a:p>
@@ -3522,7 +3574,7 @@
           <a:p>
             <a:fld id="{BAE3B62E-9D6B-4C41-BFE5-D19C53A0513B}" type="datetimeFigureOut">
               <a:rPr lang="es-MX" smtClean="0"/>
-              <a:t>10/10/2023</a:t>
+              <a:t>13/10/2025</a:t>
             </a:fld>
             <a:endParaRPr lang="es-MX" dirty="0"/>
           </a:p>
@@ -3702,7 +3754,7 @@
           <a:p>
             <a:fld id="{BAE3B62E-9D6B-4C41-BFE5-D19C53A0513B}" type="datetimeFigureOut">
               <a:rPr lang="es-MX" smtClean="0"/>
-              <a:t>10/10/2023</a:t>
+              <a:t>13/10/2025</a:t>
             </a:fld>
             <a:endParaRPr lang="es-MX" dirty="0"/>
           </a:p>
@@ -3855,7 +3907,7 @@
           <a:p>
             <a:fld id="{1D8BD707-D9CF-40AE-B4C6-C98DA3205C09}" type="datetimeFigureOut">
               <a:rPr lang="en-US" smtClean="0"/>
-              <a:t>10/10/2023</a:t>
+              <a:t>10/13/2025</a:t>
             </a:fld>
             <a:endParaRPr lang="en-US"/>
           </a:p>
@@ -4015,7 +4067,7 @@
           <a:p>
             <a:fld id="{BAE3B62E-9D6B-4C41-BFE5-D19C53A0513B}" type="datetimeFigureOut">
               <a:rPr lang="es-MX" smtClean="0"/>
-              <a:t>10/10/2023</a:t>
+              <a:t>13/10/2025</a:t>
             </a:fld>
             <a:endParaRPr lang="es-MX" dirty="0"/>
           </a:p>
@@ -4261,7 +4313,7 @@
           <a:p>
             <a:fld id="{BAE3B62E-9D6B-4C41-BFE5-D19C53A0513B}" type="datetimeFigureOut">
               <a:rPr lang="es-MX" smtClean="0"/>
-              <a:t>10/10/2023</a:t>
+              <a:t>13/10/2025</a:t>
             </a:fld>
             <a:endParaRPr lang="es-MX" dirty="0"/>
           </a:p>
@@ -4549,7 +4601,7 @@
           <a:p>
             <a:fld id="{BAE3B62E-9D6B-4C41-BFE5-D19C53A0513B}" type="datetimeFigureOut">
               <a:rPr lang="es-MX" smtClean="0"/>
-              <a:t>10/10/2023</a:t>
+              <a:t>13/10/2025</a:t>
             </a:fld>
             <a:endParaRPr lang="es-MX" dirty="0"/>
           </a:p>
@@ -4971,7 +5023,7 @@
           <a:p>
             <a:fld id="{BAE3B62E-9D6B-4C41-BFE5-D19C53A0513B}" type="datetimeFigureOut">
               <a:rPr lang="es-MX" smtClean="0"/>
-              <a:t>10/10/2023</a:t>
+              <a:t>13/10/2025</a:t>
             </a:fld>
             <a:endParaRPr lang="es-MX" dirty="0"/>
           </a:p>
@@ -5089,7 +5141,7 @@
           <a:p>
             <a:fld id="{BAE3B62E-9D6B-4C41-BFE5-D19C53A0513B}" type="datetimeFigureOut">
               <a:rPr lang="es-MX" smtClean="0"/>
-              <a:t>10/10/2023</a:t>
+              <a:t>13/10/2025</a:t>
             </a:fld>
             <a:endParaRPr lang="es-MX" dirty="0"/>
           </a:p>
@@ -5184,7 +5236,7 @@
           <a:p>
             <a:fld id="{BAE3B62E-9D6B-4C41-BFE5-D19C53A0513B}" type="datetimeFigureOut">
               <a:rPr lang="es-MX" smtClean="0"/>
-              <a:t>10/10/2023</a:t>
+              <a:t>13/10/2025</a:t>
             </a:fld>
             <a:endParaRPr lang="es-MX" dirty="0"/>
           </a:p>
@@ -5461,7 +5513,7 @@
           <a:p>
             <a:fld id="{BAE3B62E-9D6B-4C41-BFE5-D19C53A0513B}" type="datetimeFigureOut">
               <a:rPr lang="es-MX" smtClean="0"/>
-              <a:t>10/10/2023</a:t>
+              <a:t>13/10/2025</a:t>
             </a:fld>
             <a:endParaRPr lang="es-MX" dirty="0"/>
           </a:p>
@@ -5714,7 +5766,7 @@
           <a:p>
             <a:fld id="{BAE3B62E-9D6B-4C41-BFE5-D19C53A0513B}" type="datetimeFigureOut">
               <a:rPr lang="es-MX" smtClean="0"/>
-              <a:t>10/10/2023</a:t>
+              <a:t>13/10/2025</a:t>
             </a:fld>
             <a:endParaRPr lang="es-MX" dirty="0"/>
           </a:p>
@@ -5927,7 +5979,7 @@
           <a:p>
             <a:fld id="{BAE3B62E-9D6B-4C41-BFE5-D19C53A0513B}" type="datetimeFigureOut">
               <a:rPr lang="es-MX" smtClean="0"/>
-              <a:t>10/10/2023</a:t>
+              <a:t>13/10/2025</a:t>
             </a:fld>
             <a:endParaRPr lang="es-MX" dirty="0"/>
           </a:p>
@@ -12336,31 +12388,7 @@
                 <a:latin typeface="Arial" pitchFamily="34" charset="0"/>
                 <a:cs typeface="Arial" pitchFamily="34" charset="0"/>
               </a:rPr>
-              <a:t>       	nombre = </a:t>
-            </a:r>
-            <a:r>
-              <a:rPr lang="es-ES" sz="2000" b="1" dirty="0" err="1">
-                <a:solidFill>
-                  <a:schemeClr val="bg2">
-                    <a:lumMod val="25000"/>
-                  </a:schemeClr>
-                </a:solidFill>
-                <a:latin typeface="Arial" pitchFamily="34" charset="0"/>
-                <a:cs typeface="Arial" pitchFamily="34" charset="0"/>
-              </a:rPr>
-              <a:t>str</a:t>
-            </a:r>
-            <a:r>
-              <a:rPr lang="es-ES" sz="2000" b="1" dirty="0">
-                <a:solidFill>
-                  <a:schemeClr val="bg2">
-                    <a:lumMod val="25000"/>
-                  </a:schemeClr>
-                </a:solidFill>
-                <a:latin typeface="Arial" pitchFamily="34" charset="0"/>
-                <a:cs typeface="Arial" pitchFamily="34" charset="0"/>
-              </a:rPr>
-              <a:t>(input("Introduce el nombre del archivo: "))</a:t>
+              <a:t>       	nombre = input("Introduce el nombre del archivo: ")</a:t>
             </a:r>
           </a:p>
           <a:p>
@@ -15021,33 +15049,7 @@
                 <a:latin typeface="Arial" panose="020B0604020202020204" pitchFamily="34" charset="0"/>
                 <a:cs typeface="Arial" panose="020B0604020202020204" pitchFamily="34" charset="0"/>
               </a:rPr>
-              <a:t>    		frase = </a:t>
-            </a:r>
-            <a:r>
-              <a:rPr lang="es-MX" sz="2200" dirty="0" err="1">
-                <a:solidFill>
-                  <a:schemeClr val="tx1">
-                    <a:lumMod val="95000"/>
-                    <a:lumOff val="5000"/>
-                  </a:schemeClr>
-                </a:solidFill>
-                <a:latin typeface="Arial" panose="020B0604020202020204" pitchFamily="34" charset="0"/>
-                <a:cs typeface="Arial" panose="020B0604020202020204" pitchFamily="34" charset="0"/>
-              </a:rPr>
-              <a:t>str</a:t>
-            </a:r>
-            <a:r>
-              <a:rPr lang="es-MX" sz="2200" dirty="0">
-                <a:solidFill>
-                  <a:schemeClr val="tx1">
-                    <a:lumMod val="95000"/>
-                    <a:lumOff val="5000"/>
-                  </a:schemeClr>
-                </a:solidFill>
-                <a:latin typeface="Arial" panose="020B0604020202020204" pitchFamily="34" charset="0"/>
-                <a:cs typeface="Arial" panose="020B0604020202020204" pitchFamily="34" charset="0"/>
-              </a:rPr>
-              <a:t>(input("Introduce una frase: "))</a:t>
+              <a:t>    		frase = input("Introduce una frase: ")</a:t>
             </a:r>
           </a:p>
           <a:p>
@@ -15303,31 +15305,7 @@
                 <a:latin typeface="Arial" pitchFamily="34" charset="0"/>
                 <a:cs typeface="Arial" pitchFamily="34" charset="0"/>
               </a:rPr>
-              <a:t>	nombre = </a:t>
-            </a:r>
-            <a:r>
-              <a:rPr lang="es-ES" sz="2200" b="1" dirty="0" err="1">
-                <a:solidFill>
-                  <a:schemeClr val="bg2">
-                    <a:lumMod val="25000"/>
-                  </a:schemeClr>
-                </a:solidFill>
-                <a:latin typeface="Arial" pitchFamily="34" charset="0"/>
-                <a:cs typeface="Arial" pitchFamily="34" charset="0"/>
-              </a:rPr>
-              <a:t>str</a:t>
-            </a:r>
-            <a:r>
-              <a:rPr lang="es-ES" sz="2200" b="1" dirty="0">
-                <a:solidFill>
-                  <a:schemeClr val="bg2">
-                    <a:lumMod val="25000"/>
-                  </a:schemeClr>
-                </a:solidFill>
-                <a:latin typeface="Arial" pitchFamily="34" charset="0"/>
-                <a:cs typeface="Arial" pitchFamily="34" charset="0"/>
-              </a:rPr>
-              <a:t>(input("Introduce el nombre del archivo: "))</a:t>
+              <a:t>	nombre = input("Introduce el nombre del archivo: ")</a:t>
             </a:r>
           </a:p>
           <a:p>
